--- a/DOCS/D-COMPARE.pptx
+++ b/DOCS/D-COMPARE.pptx
@@ -8,16 +8,15 @@
     <p:sldId id="256" r:id="rId2"/>
     <p:sldId id="257" r:id="rId3"/>
     <p:sldId id="266" r:id="rId4"/>
-    <p:sldId id="258" r:id="rId5"/>
-    <p:sldId id="259" r:id="rId6"/>
-    <p:sldId id="260" r:id="rId7"/>
-    <p:sldId id="264" r:id="rId8"/>
-    <p:sldId id="267" r:id="rId9"/>
-    <p:sldId id="263" r:id="rId10"/>
-    <p:sldId id="261" r:id="rId11"/>
-    <p:sldId id="262" r:id="rId12"/>
-    <p:sldId id="268" r:id="rId13"/>
-    <p:sldId id="265" r:id="rId14"/>
+    <p:sldId id="259" r:id="rId5"/>
+    <p:sldId id="260" r:id="rId6"/>
+    <p:sldId id="264" r:id="rId7"/>
+    <p:sldId id="267" r:id="rId8"/>
+    <p:sldId id="263" r:id="rId9"/>
+    <p:sldId id="261" r:id="rId10"/>
+    <p:sldId id="262" r:id="rId11"/>
+    <p:sldId id="268" r:id="rId12"/>
+    <p:sldId id="265" r:id="rId13"/>
   </p:sldIdLst>
   <p:sldSz cx="12192000" cy="6858000"/>
   <p:notesSz cx="6858000" cy="9144000"/>
@@ -271,7 +270,7 @@
           <a:p>
             <a:fld id="{C0554CB0-3FF3-4642-94C8-DC673817E29D}" type="datetimeFigureOut">
               <a:rPr lang="ru-RU" smtClean="0"/>
-              <a:t>07.11.2021</a:t>
+              <a:t>11.11.2021</a:t>
             </a:fld>
             <a:endParaRPr lang="ru-RU"/>
           </a:p>
@@ -469,7 +468,7 @@
           <a:p>
             <a:fld id="{C0554CB0-3FF3-4642-94C8-DC673817E29D}" type="datetimeFigureOut">
               <a:rPr lang="ru-RU" smtClean="0"/>
-              <a:t>07.11.2021</a:t>
+              <a:t>11.11.2021</a:t>
             </a:fld>
             <a:endParaRPr lang="ru-RU"/>
           </a:p>
@@ -677,7 +676,7 @@
           <a:p>
             <a:fld id="{C0554CB0-3FF3-4642-94C8-DC673817E29D}" type="datetimeFigureOut">
               <a:rPr lang="ru-RU" smtClean="0"/>
-              <a:t>07.11.2021</a:t>
+              <a:t>11.11.2021</a:t>
             </a:fld>
             <a:endParaRPr lang="ru-RU"/>
           </a:p>
@@ -875,7 +874,7 @@
           <a:p>
             <a:fld id="{C0554CB0-3FF3-4642-94C8-DC673817E29D}" type="datetimeFigureOut">
               <a:rPr lang="ru-RU" smtClean="0"/>
-              <a:t>07.11.2021</a:t>
+              <a:t>11.11.2021</a:t>
             </a:fld>
             <a:endParaRPr lang="ru-RU"/>
           </a:p>
@@ -1150,7 +1149,7 @@
           <a:p>
             <a:fld id="{C0554CB0-3FF3-4642-94C8-DC673817E29D}" type="datetimeFigureOut">
               <a:rPr lang="ru-RU" smtClean="0"/>
-              <a:t>07.11.2021</a:t>
+              <a:t>11.11.2021</a:t>
             </a:fld>
             <a:endParaRPr lang="ru-RU"/>
           </a:p>
@@ -1415,7 +1414,7 @@
           <a:p>
             <a:fld id="{C0554CB0-3FF3-4642-94C8-DC673817E29D}" type="datetimeFigureOut">
               <a:rPr lang="ru-RU" smtClean="0"/>
-              <a:t>07.11.2021</a:t>
+              <a:t>11.11.2021</a:t>
             </a:fld>
             <a:endParaRPr lang="ru-RU"/>
           </a:p>
@@ -1827,7 +1826,7 @@
           <a:p>
             <a:fld id="{C0554CB0-3FF3-4642-94C8-DC673817E29D}" type="datetimeFigureOut">
               <a:rPr lang="ru-RU" smtClean="0"/>
-              <a:t>07.11.2021</a:t>
+              <a:t>11.11.2021</a:t>
             </a:fld>
             <a:endParaRPr lang="ru-RU"/>
           </a:p>
@@ -1968,7 +1967,7 @@
           <a:p>
             <a:fld id="{C0554CB0-3FF3-4642-94C8-DC673817E29D}" type="datetimeFigureOut">
               <a:rPr lang="ru-RU" smtClean="0"/>
-              <a:t>07.11.2021</a:t>
+              <a:t>11.11.2021</a:t>
             </a:fld>
             <a:endParaRPr lang="ru-RU"/>
           </a:p>
@@ -2081,7 +2080,7 @@
           <a:p>
             <a:fld id="{C0554CB0-3FF3-4642-94C8-DC673817E29D}" type="datetimeFigureOut">
               <a:rPr lang="ru-RU" smtClean="0"/>
-              <a:t>07.11.2021</a:t>
+              <a:t>11.11.2021</a:t>
             </a:fld>
             <a:endParaRPr lang="ru-RU"/>
           </a:p>
@@ -2392,7 +2391,7 @@
           <a:p>
             <a:fld id="{C0554CB0-3FF3-4642-94C8-DC673817E29D}" type="datetimeFigureOut">
               <a:rPr lang="ru-RU" smtClean="0"/>
-              <a:t>07.11.2021</a:t>
+              <a:t>11.11.2021</a:t>
             </a:fld>
             <a:endParaRPr lang="ru-RU"/>
           </a:p>
@@ -2680,7 +2679,7 @@
           <a:p>
             <a:fld id="{C0554CB0-3FF3-4642-94C8-DC673817E29D}" type="datetimeFigureOut">
               <a:rPr lang="ru-RU" smtClean="0"/>
-              <a:t>07.11.2021</a:t>
+              <a:t>11.11.2021</a:t>
             </a:fld>
             <a:endParaRPr lang="ru-RU"/>
           </a:p>
@@ -2921,7 +2920,7 @@
           <a:p>
             <a:fld id="{C0554CB0-3FF3-4642-94C8-DC673817E29D}" type="datetimeFigureOut">
               <a:rPr lang="ru-RU" smtClean="0"/>
-              <a:t>07.11.2021</a:t>
+              <a:t>11.11.2021</a:t>
             </a:fld>
             <a:endParaRPr lang="ru-RU"/>
           </a:p>
@@ -3346,7 +3345,7 @@
         </p:nvSpPr>
         <p:spPr>
           <a:xfrm>
-            <a:off x="3793236" y="2736502"/>
+            <a:off x="4603134" y="2671852"/>
             <a:ext cx="4680203" cy="1015663"/>
           </a:xfrm>
           <a:prstGeom prst="rect">
@@ -3369,6 +3368,82 @@
               <a:t>D-COMPARE</a:t>
             </a:r>
             <a:endParaRPr lang="ru-RU" dirty="0">
+              <a:solidFill>
+                <a:srgbClr val="FE8C1A"/>
+              </a:solidFill>
+            </a:endParaRPr>
+          </a:p>
+        </p:txBody>
+      </p:sp>
+      <p:pic>
+        <p:nvPicPr>
+          <p:cNvPr id="2" name="Рисунок 1"/>
+          <p:cNvPicPr>
+            <a:picLocks noChangeAspect="1"/>
+          </p:cNvPicPr>
+          <p:nvPr/>
+        </p:nvPicPr>
+        <p:blipFill>
+          <a:blip r:embed="rId2">
+            <a:extLst>
+              <a:ext uri="{28A0092B-C50C-407E-A947-70E740481C1C}">
+                <a14:useLocalDpi xmlns:a14="http://schemas.microsoft.com/office/drawing/2010/main" val="0"/>
+              </a:ext>
+            </a:extLst>
+          </a:blip>
+          <a:stretch>
+            <a:fillRect/>
+          </a:stretch>
+        </p:blipFill>
+        <p:spPr>
+          <a:xfrm>
+            <a:off x="3302431" y="2529331"/>
+            <a:ext cx="1300703" cy="1300703"/>
+          </a:xfrm>
+          <a:prstGeom prst="rect">
+            <a:avLst/>
+          </a:prstGeom>
+        </p:spPr>
+      </p:pic>
+      <p:sp>
+        <p:nvSpPr>
+          <p:cNvPr id="6" name="TextBox 5"/>
+          <p:cNvSpPr txBox="1"/>
+          <p:nvPr/>
+        </p:nvSpPr>
+        <p:spPr>
+          <a:xfrm>
+            <a:off x="10145486" y="6181058"/>
+            <a:ext cx="1715588" cy="400110"/>
+          </a:xfrm>
+          <a:prstGeom prst="rect">
+            <a:avLst/>
+          </a:prstGeom>
+          <a:noFill/>
+        </p:spPr>
+        <p:txBody>
+          <a:bodyPr wrap="square" rtlCol="0">
+            <a:spAutoFit/>
+          </a:bodyPr>
+          <a:lstStyle/>
+          <a:p>
+            <a:r>
+              <a:rPr lang="ru-RU" sz="2000" i="1" dirty="0" err="1" smtClean="0">
+                <a:solidFill>
+                  <a:srgbClr val="FE8C1A"/>
+                </a:solidFill>
+              </a:rPr>
+              <a:t>Тазеев</a:t>
+            </a:r>
+            <a:r>
+              <a:rPr lang="ru-RU" sz="2000" i="1" dirty="0" smtClean="0">
+                <a:solidFill>
+                  <a:srgbClr val="FE8C1A"/>
+                </a:solidFill>
+              </a:rPr>
+              <a:t> Алмаз</a:t>
+            </a:r>
+            <a:endParaRPr lang="ru-RU" sz="2000" i="1" dirty="0">
               <a:solidFill>
                 <a:srgbClr val="FE8C1A"/>
               </a:solidFill>
@@ -3418,7 +3493,7 @@
           <p:cNvPr id="2" name="Заголовок 1">
             <a:extLst>
               <a:ext uri="{FF2B5EF4-FFF2-40B4-BE49-F238E27FC236}">
-                <a16:creationId xmlns:a16="http://schemas.microsoft.com/office/drawing/2014/main" id="{18FB7AB8-F2CD-FC4C-8EA3-B697D8E044D2}"/>
+                <a16:creationId xmlns:a16="http://schemas.microsoft.com/office/drawing/2014/main" id="{E05AD57B-A359-0D48-8274-F2B73328940E}"/>
               </a:ext>
             </a:extLst>
           </p:cNvPr>
@@ -3432,13 +3507,11 @@
         <p:spPr>
           <a:xfrm>
             <a:off x="838200" y="365126"/>
-            <a:ext cx="10515600" cy="679904"/>
-          </a:xfrm>
-        </p:spPr>
-        <p:txBody>
-          <a:bodyPr>
-            <a:noAutofit/>
-          </a:bodyPr>
+            <a:ext cx="10515600" cy="715090"/>
+          </a:xfrm>
+        </p:spPr>
+        <p:txBody>
+          <a:bodyPr/>
           <a:lstStyle/>
           <a:p>
             <a:pPr algn="ctr"/>
@@ -3448,7 +3521,7 @@
                   <a:srgbClr val="FE8C1A"/>
                 </a:solidFill>
               </a:rPr>
-              <a:t>Корзина сравнения</a:t>
+              <a:t>Обзоры и рекомендации</a:t>
             </a:r>
             <a:endParaRPr lang="ru-RU" b="1" dirty="0">
               <a:solidFill>
@@ -3460,7 +3533,7 @@
       </p:sp>
       <p:pic>
         <p:nvPicPr>
-          <p:cNvPr id="4" name="Рисунок 3"/>
+          <p:cNvPr id="6" name="Рисунок 5"/>
           <p:cNvPicPr>
             <a:picLocks noChangeAspect="1"/>
           </p:cNvPicPr>
@@ -3490,7 +3563,7 @@
       </p:pic>
       <p:pic>
         <p:nvPicPr>
-          <p:cNvPr id="6" name="Объект 5"/>
+          <p:cNvPr id="5" name="Объект 4"/>
           <p:cNvPicPr>
             <a:picLocks noGrp="1" noChangeAspect="1"/>
           </p:cNvPicPr>
@@ -3506,26 +3579,33 @@
               </a:ext>
             </a:extLst>
           </a:blip>
-          <a:srcRect l="19528" t="6276" r="19751" b="9466"/>
+          <a:srcRect l="19613" t="6379" r="19481" b="10554"/>
           <a:stretch/>
         </p:blipFill>
         <p:spPr>
           <a:xfrm>
-            <a:off x="2830287" y="1080541"/>
-            <a:ext cx="6531427" cy="5098042"/>
+            <a:off x="2786743" y="1088571"/>
+            <a:ext cx="6655526" cy="5105870"/>
           </a:xfrm>
         </p:spPr>
       </p:pic>
     </p:spTree>
     <p:extLst>
       <p:ext uri="{BB962C8B-B14F-4D97-AF65-F5344CB8AC3E}">
-        <p14:creationId xmlns:p14="http://schemas.microsoft.com/office/powerpoint/2010/main" val="1593401462"/>
+        <p14:creationId xmlns:p14="http://schemas.microsoft.com/office/powerpoint/2010/main" val="2015660352"/>
       </p:ext>
     </p:extLst>
   </p:cSld>
   <p:clrMapOvr>
     <a:masterClrMapping/>
   </p:clrMapOvr>
+  <p:timing>
+    <p:tnLst>
+      <p:par>
+        <p:cTn id="1" dur="indefinite" restart="never" nodeType="tmRoot"/>
+      </p:par>
+    </p:tnLst>
+  </p:timing>
 </p:sld>
 </file>
 
@@ -3548,13 +3628,7 @@
       </p:grpSpPr>
       <p:sp>
         <p:nvSpPr>
-          <p:cNvPr id="2" name="Заголовок 1">
-            <a:extLst>
-              <a:ext uri="{FF2B5EF4-FFF2-40B4-BE49-F238E27FC236}">
-                <a16:creationId xmlns:a16="http://schemas.microsoft.com/office/drawing/2014/main" id="{E05AD57B-A359-0D48-8274-F2B73328940E}"/>
-              </a:ext>
-            </a:extLst>
-          </p:cNvPr>
+          <p:cNvPr id="2" name="Заголовок 1"/>
           <p:cNvSpPr>
             <a:spLocks noGrp="1"/>
           </p:cNvSpPr>
@@ -3564,8 +3638,8 @@
         </p:nvSpPr>
         <p:spPr>
           <a:xfrm>
-            <a:off x="838200" y="365126"/>
-            <a:ext cx="10515600" cy="715090"/>
+            <a:off x="838200" y="103868"/>
+            <a:ext cx="10515600" cy="1325563"/>
           </a:xfrm>
         </p:spPr>
         <p:txBody>
@@ -3579,26 +3653,50 @@
                   <a:srgbClr val="FE8C1A"/>
                 </a:solidFill>
               </a:rPr>
-              <a:t>Обзоры и рекомендации</a:t>
-            </a:r>
-            <a:endParaRPr lang="ru-RU" b="1" dirty="0">
-              <a:solidFill>
-                <a:srgbClr val="FE8C1A"/>
-              </a:solidFill>
-            </a:endParaRPr>
+              <a:t>Текст статьи</a:t>
+            </a:r>
+            <a:endParaRPr lang="ru-RU" b="1" dirty="0"/>
           </a:p>
         </p:txBody>
       </p:sp>
       <p:pic>
         <p:nvPicPr>
-          <p:cNvPr id="6" name="Рисунок 5"/>
+          <p:cNvPr id="5" name="Объект 4"/>
+          <p:cNvPicPr>
+            <a:picLocks noGrp="1" noChangeAspect="1"/>
+          </p:cNvPicPr>
+          <p:nvPr>
+            <p:ph idx="1"/>
+          </p:nvPr>
+        </p:nvPicPr>
+        <p:blipFill rotWithShape="1">
+          <a:blip r:embed="rId2">
+            <a:extLst>
+              <a:ext uri="{28A0092B-C50C-407E-A947-70E740481C1C}">
+                <a14:useLocalDpi xmlns:a14="http://schemas.microsoft.com/office/drawing/2010/main" val="0"/>
+              </a:ext>
+            </a:extLst>
+          </a:blip>
+          <a:srcRect l="17916" t="7878" r="17803" b="11467"/>
+          <a:stretch/>
+        </p:blipFill>
+        <p:spPr>
+          <a:xfrm>
+            <a:off x="2664822" y="1127692"/>
+            <a:ext cx="6792685" cy="4794139"/>
+          </a:xfrm>
+        </p:spPr>
+      </p:pic>
+      <p:pic>
+        <p:nvPicPr>
+          <p:cNvPr id="4" name="Рисунок 3"/>
           <p:cNvPicPr>
             <a:picLocks noChangeAspect="1"/>
           </p:cNvPicPr>
           <p:nvPr/>
         </p:nvPicPr>
         <p:blipFill>
-          <a:blip r:embed="rId2">
+          <a:blip r:embed="rId3">
             <a:extLst>
               <a:ext uri="{28A0092B-C50C-407E-A947-70E740481C1C}">
                 <a14:useLocalDpi xmlns:a14="http://schemas.microsoft.com/office/drawing/2010/main" val="0"/>
@@ -3619,44 +3717,23 @@
           </a:prstGeom>
         </p:spPr>
       </p:pic>
-      <p:pic>
-        <p:nvPicPr>
-          <p:cNvPr id="5" name="Объект 4"/>
-          <p:cNvPicPr>
-            <a:picLocks noGrp="1" noChangeAspect="1"/>
-          </p:cNvPicPr>
-          <p:nvPr>
-            <p:ph idx="1"/>
-          </p:nvPr>
-        </p:nvPicPr>
-        <p:blipFill rotWithShape="1">
-          <a:blip r:embed="rId3">
-            <a:extLst>
-              <a:ext uri="{28A0092B-C50C-407E-A947-70E740481C1C}">
-                <a14:useLocalDpi xmlns:a14="http://schemas.microsoft.com/office/drawing/2010/main" val="0"/>
-              </a:ext>
-            </a:extLst>
-          </a:blip>
-          <a:srcRect l="19613" t="6379" r="19481" b="10554"/>
-          <a:stretch/>
-        </p:blipFill>
-        <p:spPr>
-          <a:xfrm>
-            <a:off x="2786743" y="1088571"/>
-            <a:ext cx="6655526" cy="5105870"/>
-          </a:xfrm>
-        </p:spPr>
-      </p:pic>
     </p:spTree>
     <p:extLst>
       <p:ext uri="{BB962C8B-B14F-4D97-AF65-F5344CB8AC3E}">
-        <p14:creationId xmlns:p14="http://schemas.microsoft.com/office/powerpoint/2010/main" val="2015660352"/>
+        <p14:creationId xmlns:p14="http://schemas.microsoft.com/office/powerpoint/2010/main" val="3979668224"/>
       </p:ext>
     </p:extLst>
   </p:cSld>
   <p:clrMapOvr>
     <a:masterClrMapping/>
   </p:clrMapOvr>
+  <p:timing>
+    <p:tnLst>
+      <p:par>
+        <p:cTn id="1" dur="indefinite" restart="never" nodeType="tmRoot"/>
+      </p:par>
+    </p:tnLst>
+  </p:timing>
 </p:sld>
 </file>
 
@@ -3689,127 +3766,6 @@
         </p:nvSpPr>
         <p:spPr>
           <a:xfrm>
-            <a:off x="838200" y="103868"/>
-            <a:ext cx="10515600" cy="1325563"/>
-          </a:xfrm>
-        </p:spPr>
-        <p:txBody>
-          <a:bodyPr/>
-          <a:lstStyle/>
-          <a:p>
-            <a:pPr algn="ctr"/>
-            <a:r>
-              <a:rPr lang="ru-RU" b="1" dirty="0" smtClean="0">
-                <a:solidFill>
-                  <a:srgbClr val="FE8C1A"/>
-                </a:solidFill>
-              </a:rPr>
-              <a:t>Текст статьи</a:t>
-            </a:r>
-            <a:endParaRPr lang="ru-RU" b="1" dirty="0"/>
-          </a:p>
-        </p:txBody>
-      </p:sp>
-      <p:pic>
-        <p:nvPicPr>
-          <p:cNvPr id="5" name="Объект 4"/>
-          <p:cNvPicPr>
-            <a:picLocks noGrp="1" noChangeAspect="1"/>
-          </p:cNvPicPr>
-          <p:nvPr>
-            <p:ph idx="1"/>
-          </p:nvPr>
-        </p:nvPicPr>
-        <p:blipFill rotWithShape="1">
-          <a:blip r:embed="rId2">
-            <a:extLst>
-              <a:ext uri="{28A0092B-C50C-407E-A947-70E740481C1C}">
-                <a14:useLocalDpi xmlns:a14="http://schemas.microsoft.com/office/drawing/2010/main" val="0"/>
-              </a:ext>
-            </a:extLst>
-          </a:blip>
-          <a:srcRect l="17916" t="7878" r="17803" b="11467"/>
-          <a:stretch/>
-        </p:blipFill>
-        <p:spPr>
-          <a:xfrm>
-            <a:off x="2664822" y="1127692"/>
-            <a:ext cx="6792685" cy="4794139"/>
-          </a:xfrm>
-        </p:spPr>
-      </p:pic>
-      <p:pic>
-        <p:nvPicPr>
-          <p:cNvPr id="4" name="Рисунок 3"/>
-          <p:cNvPicPr>
-            <a:picLocks noChangeAspect="1"/>
-          </p:cNvPicPr>
-          <p:nvPr/>
-        </p:nvPicPr>
-        <p:blipFill>
-          <a:blip r:embed="rId3">
-            <a:extLst>
-              <a:ext uri="{28A0092B-C50C-407E-A947-70E740481C1C}">
-                <a14:useLocalDpi xmlns:a14="http://schemas.microsoft.com/office/drawing/2010/main" val="0"/>
-              </a:ext>
-            </a:extLst>
-          </a:blip>
-          <a:stretch>
-            <a:fillRect/>
-          </a:stretch>
-        </p:blipFill>
-        <p:spPr>
-          <a:xfrm>
-            <a:off x="10032273" y="6178583"/>
-            <a:ext cx="2041499" cy="621326"/>
-          </a:xfrm>
-          <a:prstGeom prst="rect">
-            <a:avLst/>
-          </a:prstGeom>
-        </p:spPr>
-      </p:pic>
-    </p:spTree>
-    <p:extLst>
-      <p:ext uri="{BB962C8B-B14F-4D97-AF65-F5344CB8AC3E}">
-        <p14:creationId xmlns:p14="http://schemas.microsoft.com/office/powerpoint/2010/main" val="3979668224"/>
-      </p:ext>
-    </p:extLst>
-  </p:cSld>
-  <p:clrMapOvr>
-    <a:masterClrMapping/>
-  </p:clrMapOvr>
-</p:sld>
-</file>
-
-<file path=ppt/slides/slide13.xml><?xml version="1.0" encoding="utf-8"?>
-<p:sld xmlns:a="http://schemas.openxmlformats.org/drawingml/2006/main" xmlns:r="http://schemas.openxmlformats.org/officeDocument/2006/relationships" xmlns:p="http://schemas.openxmlformats.org/presentationml/2006/main">
-  <p:cSld>
-    <p:spTree>
-      <p:nvGrpSpPr>
-        <p:cNvPr id="1" name=""/>
-        <p:cNvGrpSpPr/>
-        <p:nvPr/>
-      </p:nvGrpSpPr>
-      <p:grpSpPr>
-        <a:xfrm>
-          <a:off x="0" y="0"/>
-          <a:ext cx="0" cy="0"/>
-          <a:chOff x="0" y="0"/>
-          <a:chExt cx="0" cy="0"/>
-        </a:xfrm>
-      </p:grpSpPr>
-      <p:sp>
-        <p:nvSpPr>
-          <p:cNvPr id="2" name="Заголовок 1"/>
-          <p:cNvSpPr>
-            <a:spLocks noGrp="1"/>
-          </p:cNvSpPr>
-          <p:nvPr>
-            <p:ph type="title"/>
-          </p:nvPr>
-        </p:nvSpPr>
-        <p:spPr>
-          <a:xfrm>
             <a:off x="838200" y="95795"/>
             <a:ext cx="10515600" cy="992776"/>
           </a:xfrm>
@@ -3905,6 +3861,13 @@
   <p:clrMapOvr>
     <a:masterClrMapping/>
   </p:clrMapOvr>
+  <p:timing>
+    <p:tnLst>
+      <p:par>
+        <p:cTn id="1" dur="indefinite" restart="never" nodeType="tmRoot"/>
+      </p:par>
+    </p:tnLst>
+  </p:timing>
 </p:sld>
 </file>
 
@@ -3948,13 +3911,26 @@
           <a:p>
             <a:pPr algn="ctr"/>
             <a:r>
-              <a:rPr lang="ru-RU" b="1" dirty="0">
+              <a:rPr lang="ru-RU" b="1" dirty="0" smtClean="0">
                 <a:solidFill>
                   <a:srgbClr val="FE8C1A"/>
                 </a:solidFill>
               </a:rPr>
-              <a:t>Цели и задачи</a:t>
-            </a:r>
+              <a:t>Цель</a:t>
+            </a:r>
+            <a:r>
+              <a:rPr lang="ru-RU" b="1" dirty="0" smtClean="0">
+                <a:solidFill>
+                  <a:srgbClr val="FE8C1A"/>
+                </a:solidFill>
+              </a:rPr>
+              <a:t> проекта</a:t>
+            </a:r>
+            <a:endParaRPr lang="ru-RU" b="1" dirty="0">
+              <a:solidFill>
+                <a:srgbClr val="FE8C1A"/>
+              </a:solidFill>
+            </a:endParaRPr>
           </a:p>
         </p:txBody>
       </p:sp>
@@ -3976,8 +3952,8 @@
         </p:nvSpPr>
         <p:spPr>
           <a:xfrm>
-            <a:off x="838200" y="2002971"/>
-            <a:ext cx="10515600" cy="4173992"/>
+            <a:off x="1421674" y="2542903"/>
+            <a:ext cx="4865915" cy="2255520"/>
           </a:xfrm>
         </p:spPr>
         <p:txBody>
@@ -3990,73 +3966,18 @@
               <a:buNone/>
             </a:pPr>
             <a:r>
-              <a:rPr lang="ru-RU" sz="2400" b="1" dirty="0"/>
-              <a:t>Цель</a:t>
-            </a:r>
-            <a:r>
-              <a:rPr lang="en-US" sz="2400" b="1" dirty="0"/>
-              <a:t> </a:t>
-            </a:r>
-            <a:r>
-              <a:rPr lang="ru-RU" sz="2400" b="1" dirty="0"/>
-              <a:t>проекта</a:t>
-            </a:r>
-            <a:r>
-              <a:rPr lang="en-US" sz="2400" b="1" dirty="0"/>
-              <a:t>: </a:t>
-            </a:r>
-          </a:p>
-          <a:p>
-            <a:pPr marL="0" indent="0">
-              <a:buNone/>
-            </a:pPr>
+              <a:rPr lang="ru-RU" dirty="0" smtClean="0"/>
+              <a:t>Создание приложения для сопоставления и выбора гаджетов </a:t>
+            </a:r>
             <a:r>
               <a:rPr lang="ru-RU" dirty="0"/>
-              <a:t>Разработать приложение с графическим интерфейсом, позволяющее пользователю выбрать гаджет с определенными характеристиками используя фильтры и/или </a:t>
+              <a:t>с определенными </a:t>
             </a:r>
             <a:r>
               <a:rPr lang="ru-RU" dirty="0" smtClean="0"/>
-              <a:t>поиск</a:t>
+              <a:t>характеристиками с помощью фильтров или поиска</a:t>
             </a:r>
             <a:endParaRPr lang="en-US" dirty="0" smtClean="0"/>
-          </a:p>
-          <a:p>
-            <a:pPr marL="0" indent="0">
-              <a:buNone/>
-            </a:pPr>
-            <a:r>
-              <a:rPr lang="ru-RU" sz="2400" b="1" dirty="0" smtClean="0"/>
-              <a:t>Задачи:</a:t>
-            </a:r>
-          </a:p>
-          <a:p>
-            <a:r>
-              <a:rPr lang="ru-RU" dirty="0"/>
-              <a:t>Изучить необходимые элементы </a:t>
-            </a:r>
-            <a:r>
-              <a:rPr lang="ru-RU" i="1" dirty="0" err="1"/>
-              <a:t>PyQT</a:t>
-            </a:r>
-            <a:r>
-              <a:rPr lang="ru-RU" dirty="0"/>
-              <a:t> и </a:t>
-            </a:r>
-            <a:r>
-              <a:rPr lang="ru-RU" i="1" dirty="0" err="1"/>
-              <a:t>SQLite</a:t>
-            </a:r>
-            <a:endParaRPr lang="ru-RU" dirty="0"/>
-          </a:p>
-          <a:p>
-            <a:r>
-              <a:rPr lang="ru-RU" dirty="0"/>
-              <a:t>Проанализировать функционал и структуру </a:t>
-            </a:r>
-            <a:r>
-              <a:rPr lang="ru-RU" dirty="0" smtClean="0"/>
-              <a:t>аналогов</a:t>
-            </a:r>
           </a:p>
         </p:txBody>
       </p:sp>
@@ -4088,6 +4009,47 @@
           <a:prstGeom prst="rect">
             <a:avLst/>
           </a:prstGeom>
+        </p:spPr>
+      </p:pic>
+      <p:pic>
+        <p:nvPicPr>
+          <p:cNvPr id="1026" name="Picture 2" descr="Рисованные иконки смартфона | Премиум векторы"/>
+          <p:cNvPicPr>
+            <a:picLocks noChangeAspect="1" noChangeArrowheads="1"/>
+          </p:cNvPicPr>
+          <p:nvPr/>
+        </p:nvPicPr>
+        <p:blipFill>
+          <a:blip r:embed="rId3">
+            <a:extLst>
+              <a:ext uri="{28A0092B-C50C-407E-A947-70E740481C1C}">
+                <a14:useLocalDpi xmlns:a14="http://schemas.microsoft.com/office/drawing/2010/main" val="0"/>
+              </a:ext>
+            </a:extLst>
+          </a:blip>
+          <a:srcRect/>
+          <a:stretch>
+            <a:fillRect/>
+          </a:stretch>
+        </p:blipFill>
+        <p:spPr bwMode="auto">
+          <a:xfrm>
+            <a:off x="6869884" y="1916974"/>
+            <a:ext cx="3573875" cy="3665220"/>
+          </a:xfrm>
+          <a:prstGeom prst="rect">
+            <a:avLst/>
+          </a:prstGeom>
+          <a:noFill/>
+          <a:extLst>
+            <a:ext uri="{909E8E84-426E-40DD-AFC4-6F175D3DCCD1}">
+              <a14:hiddenFill xmlns:a14="http://schemas.microsoft.com/office/drawing/2010/main">
+                <a:solidFill>
+                  <a:srgbClr val="FFFFFF"/>
+                </a:solidFill>
+              </a14:hiddenFill>
+            </a:ext>
+          </a:extLst>
         </p:spPr>
       </p:pic>
     </p:spTree>
@@ -4285,9 +4247,47 @@
           </a:p>
         </p:txBody>
       </p:sp>
+      <p:sp>
+        <p:nvSpPr>
+          <p:cNvPr id="9" name="Прямоугольник 8"/>
+          <p:cNvSpPr/>
+          <p:nvPr/>
+        </p:nvSpPr>
+        <p:spPr>
+          <a:xfrm>
+            <a:off x="7621254" y="3362712"/>
+            <a:ext cx="4680203" cy="707886"/>
+          </a:xfrm>
+          <a:prstGeom prst="rect">
+            <a:avLst/>
+          </a:prstGeom>
+        </p:spPr>
+        <p:txBody>
+          <a:bodyPr wrap="square">
+            <a:spAutoFit/>
+          </a:bodyPr>
+          <a:lstStyle/>
+          <a:p>
+            <a:pPr algn="ctr"/>
+            <a:r>
+              <a:rPr lang="en-US" sz="4000" b="1" dirty="0" smtClean="0">
+                <a:solidFill>
+                  <a:srgbClr val="FE8C1A"/>
+                </a:solidFill>
+              </a:rPr>
+              <a:t>D-COMPARE</a:t>
+            </a:r>
+            <a:endParaRPr lang="ru-RU" sz="1100" dirty="0">
+              <a:solidFill>
+                <a:srgbClr val="FE8C1A"/>
+              </a:solidFill>
+            </a:endParaRPr>
+          </a:p>
+        </p:txBody>
+      </p:sp>
       <p:pic>
         <p:nvPicPr>
-          <p:cNvPr id="8" name="Рисунок 7"/>
+          <p:cNvPr id="10" name="Рисунок 9"/>
           <p:cNvPicPr>
             <a:picLocks noChangeAspect="1"/>
           </p:cNvPicPr>
@@ -4307,8 +4307,8 @@
         </p:blipFill>
         <p:spPr>
           <a:xfrm>
-            <a:off x="6735772" y="3018466"/>
-            <a:ext cx="4618028" cy="1405487"/>
+            <a:off x="7057989" y="3067343"/>
+            <a:ext cx="1300703" cy="1300703"/>
           </a:xfrm>
           <a:prstGeom prst="rect">
             <a:avLst/>
@@ -4357,7 +4357,7 @@
           <p:cNvPr id="2" name="Заголовок 1">
             <a:extLst>
               <a:ext uri="{FF2B5EF4-FFF2-40B4-BE49-F238E27FC236}">
-                <a16:creationId xmlns:a16="http://schemas.microsoft.com/office/drawing/2014/main" id="{3C22B893-B297-A147-B46C-D3620F419D14}"/>
+                <a16:creationId xmlns:a16="http://schemas.microsoft.com/office/drawing/2014/main" id="{0817D23B-14B0-D34B-8D0E-EDC3301B30C0}"/>
               </a:ext>
             </a:extLst>
           </p:cNvPr>
@@ -4368,104 +4368,94 @@
             <p:ph type="title"/>
           </p:nvPr>
         </p:nvSpPr>
-        <p:spPr/>
-        <p:txBody>
-          <a:bodyPr/>
+        <p:spPr>
+          <a:xfrm>
+            <a:off x="838200" y="16782"/>
+            <a:ext cx="10515600" cy="1301533"/>
+          </a:xfrm>
+        </p:spPr>
+        <p:txBody>
+          <a:bodyPr>
+            <a:normAutofit/>
+          </a:bodyPr>
           <a:lstStyle/>
           <a:p>
             <a:pPr algn="ctr"/>
             <a:r>
-              <a:rPr lang="ru-RU" b="1" dirty="0">
+              <a:rPr lang="ru-RU" b="1" dirty="0" smtClean="0">
                 <a:solidFill>
                   <a:srgbClr val="FE8C1A"/>
                 </a:solidFill>
               </a:rPr>
-              <a:t>Структура приложения</a:t>
-            </a:r>
-          </a:p>
-        </p:txBody>
-      </p:sp>
-      <p:sp>
-        <p:nvSpPr>
-          <p:cNvPr id="3" name="Объект 2">
-            <a:extLst>
-              <a:ext uri="{FF2B5EF4-FFF2-40B4-BE49-F238E27FC236}">
-                <a16:creationId xmlns:a16="http://schemas.microsoft.com/office/drawing/2014/main" id="{0EC77A65-BB15-714A-8740-4F5836F86AD5}"/>
-              </a:ext>
-            </a:extLst>
-          </p:cNvPr>
-          <p:cNvSpPr>
-            <a:spLocks noGrp="1"/>
-          </p:cNvSpPr>
+              <a:t>Регистрация и авторизация</a:t>
+            </a:r>
+            <a:endParaRPr lang="ru-RU" b="1" dirty="0">
+              <a:solidFill>
+                <a:srgbClr val="FE8C1A"/>
+              </a:solidFill>
+            </a:endParaRPr>
+          </a:p>
+        </p:txBody>
+      </p:sp>
+      <p:pic>
+        <p:nvPicPr>
+          <p:cNvPr id="10" name="Объект 9"/>
+          <p:cNvPicPr>
+            <a:picLocks noGrp="1" noChangeAspect="1"/>
+          </p:cNvPicPr>
           <p:nvPr>
             <p:ph idx="1"/>
           </p:nvPr>
-        </p:nvSpPr>
-        <p:spPr>
-          <a:xfrm>
-            <a:off x="838200" y="2751909"/>
-            <a:ext cx="10515600" cy="3425054"/>
-          </a:xfrm>
-        </p:spPr>
-        <p:txBody>
-          <a:bodyPr/>
-          <a:lstStyle/>
-          <a:p>
-            <a:pPr marL="0" indent="0">
-              <a:buNone/>
-            </a:pPr>
-            <a:r>
-              <a:rPr lang="ru-RU" dirty="0"/>
-              <a:t>Приложение состоит из </a:t>
-            </a:r>
-            <a:r>
-              <a:rPr lang="ru-RU" dirty="0" smtClean="0"/>
-              <a:t>окон регистрации и авторизации, главного окна, в котором содержатся </a:t>
-            </a:r>
-            <a:r>
-              <a:rPr lang="en-US" dirty="0" smtClean="0"/>
-              <a:t>4</a:t>
-            </a:r>
-            <a:r>
-              <a:rPr lang="ru-RU" dirty="0" smtClean="0"/>
-              <a:t> раздела</a:t>
-            </a:r>
-            <a:r>
-              <a:rPr lang="en-US" dirty="0"/>
-              <a:t> </a:t>
-            </a:r>
-            <a:r>
-              <a:rPr lang="ru-RU" dirty="0" smtClean="0"/>
-              <a:t>и окно выбора фильтров</a:t>
-            </a:r>
-          </a:p>
-          <a:p>
-            <a:pPr marL="0" indent="0">
-              <a:buNone/>
-            </a:pPr>
-            <a:r>
-              <a:rPr lang="ru-RU" dirty="0" smtClean="0"/>
-              <a:t>Разделы главного окна</a:t>
-            </a:r>
-            <a:r>
-              <a:rPr lang="en-US" dirty="0" smtClean="0"/>
-              <a:t>: </a:t>
-            </a:r>
-            <a:r>
-              <a:rPr lang="ru-RU" dirty="0" smtClean="0"/>
-              <a:t>главная страница, корзина сравнения, страница с различными статьями на тему электроники</a:t>
-            </a:r>
-            <a:r>
-              <a:rPr lang="en-US" dirty="0" smtClean="0"/>
-              <a:t>, </a:t>
-            </a:r>
-            <a:r>
-              <a:rPr lang="ru-RU" dirty="0" smtClean="0"/>
-              <a:t>профиль.  </a:t>
-            </a:r>
-          </a:p>
-        </p:txBody>
-      </p:sp>
+        </p:nvPicPr>
+        <p:blipFill>
+          <a:blip r:embed="rId2">
+            <a:extLst>
+              <a:ext uri="{28A0092B-C50C-407E-A947-70E740481C1C}">
+                <a14:useLocalDpi xmlns:a14="http://schemas.microsoft.com/office/drawing/2010/main" val="0"/>
+              </a:ext>
+            </a:extLst>
+          </a:blip>
+          <a:stretch>
+            <a:fillRect/>
+          </a:stretch>
+        </p:blipFill>
+        <p:spPr>
+          <a:xfrm>
+            <a:off x="6183088" y="1501194"/>
+            <a:ext cx="5503816" cy="3966801"/>
+          </a:xfrm>
+        </p:spPr>
+      </p:pic>
+      <p:pic>
+        <p:nvPicPr>
+          <p:cNvPr id="11" name="Рисунок 10"/>
+          <p:cNvPicPr>
+            <a:picLocks noChangeAspect="1"/>
+          </p:cNvPicPr>
+          <p:nvPr/>
+        </p:nvPicPr>
+        <p:blipFill>
+          <a:blip r:embed="rId3">
+            <a:extLst>
+              <a:ext uri="{28A0092B-C50C-407E-A947-70E740481C1C}">
+                <a14:useLocalDpi xmlns:a14="http://schemas.microsoft.com/office/drawing/2010/main" val="0"/>
+              </a:ext>
+            </a:extLst>
+          </a:blip>
+          <a:stretch>
+            <a:fillRect/>
+          </a:stretch>
+        </p:blipFill>
+        <p:spPr>
+          <a:xfrm>
+            <a:off x="559525" y="1501194"/>
+            <a:ext cx="5420597" cy="3950371"/>
+          </a:xfrm>
+          <a:prstGeom prst="rect">
+            <a:avLst/>
+          </a:prstGeom>
+        </p:spPr>
+      </p:pic>
       <p:pic>
         <p:nvPicPr>
           <p:cNvPr id="5" name="Рисунок 4"/>
@@ -4475,7 +4465,7 @@
           <p:nvPr/>
         </p:nvPicPr>
         <p:blipFill>
-          <a:blip r:embed="rId2">
+          <a:blip r:embed="rId4">
             <a:extLst>
               <a:ext uri="{28A0092B-C50C-407E-A947-70E740481C1C}">
                 <a14:useLocalDpi xmlns:a14="http://schemas.microsoft.com/office/drawing/2010/main" val="0"/>
@@ -4499,7 +4489,7 @@
     </p:spTree>
     <p:extLst>
       <p:ext uri="{BB962C8B-B14F-4D97-AF65-F5344CB8AC3E}">
-        <p14:creationId xmlns:p14="http://schemas.microsoft.com/office/powerpoint/2010/main" val="1511119140"/>
+        <p14:creationId xmlns:p14="http://schemas.microsoft.com/office/powerpoint/2010/main" val="2959317262"/>
       </p:ext>
     </p:extLst>
   </p:cSld>
@@ -4538,7 +4528,7 @@
           <p:cNvPr id="2" name="Заголовок 1">
             <a:extLst>
               <a:ext uri="{FF2B5EF4-FFF2-40B4-BE49-F238E27FC236}">
-                <a16:creationId xmlns:a16="http://schemas.microsoft.com/office/drawing/2014/main" id="{0817D23B-14B0-D34B-8D0E-EDC3301B30C0}"/>
+                <a16:creationId xmlns:a16="http://schemas.microsoft.com/office/drawing/2014/main" id="{AE182028-3EFB-C843-87C1-F581B4E40F02}"/>
               </a:ext>
             </a:extLst>
           </p:cNvPr>
@@ -4551,8 +4541,8 @@
         </p:nvSpPr>
         <p:spPr>
           <a:xfrm>
-            <a:off x="838200" y="16782"/>
-            <a:ext cx="10515600" cy="1301533"/>
+            <a:off x="838200" y="190954"/>
+            <a:ext cx="10515600" cy="758281"/>
           </a:xfrm>
         </p:spPr>
         <p:txBody>
@@ -4568,7 +4558,7 @@
                   <a:srgbClr val="FE8C1A"/>
                 </a:solidFill>
               </a:rPr>
-              <a:t>Регистрация и авторизация</a:t>
+              <a:t>Главная страница</a:t>
             </a:r>
             <a:endParaRPr lang="ru-RU" b="1" dirty="0">
               <a:solidFill>
@@ -4580,43 +4570,14 @@
       </p:sp>
       <p:pic>
         <p:nvPicPr>
-          <p:cNvPr id="10" name="Объект 9"/>
-          <p:cNvPicPr>
-            <a:picLocks noGrp="1" noChangeAspect="1"/>
-          </p:cNvPicPr>
-          <p:nvPr>
-            <p:ph idx="1"/>
-          </p:nvPr>
-        </p:nvPicPr>
-        <p:blipFill>
-          <a:blip r:embed="rId2">
-            <a:extLst>
-              <a:ext uri="{28A0092B-C50C-407E-A947-70E740481C1C}">
-                <a14:useLocalDpi xmlns:a14="http://schemas.microsoft.com/office/drawing/2010/main" val="0"/>
-              </a:ext>
-            </a:extLst>
-          </a:blip>
-          <a:stretch>
-            <a:fillRect/>
-          </a:stretch>
-        </p:blipFill>
-        <p:spPr>
-          <a:xfrm>
-            <a:off x="6183088" y="1501194"/>
-            <a:ext cx="5503816" cy="3966801"/>
-          </a:xfrm>
-        </p:spPr>
-      </p:pic>
-      <p:pic>
-        <p:nvPicPr>
-          <p:cNvPr id="11" name="Рисунок 10"/>
+          <p:cNvPr id="4" name="Рисунок 3"/>
           <p:cNvPicPr>
             <a:picLocks noChangeAspect="1"/>
           </p:cNvPicPr>
           <p:nvPr/>
         </p:nvPicPr>
         <p:blipFill>
-          <a:blip r:embed="rId3">
+          <a:blip r:embed="rId2">
             <a:extLst>
               <a:ext uri="{28A0092B-C50C-407E-A947-70E740481C1C}">
                 <a14:useLocalDpi xmlns:a14="http://schemas.microsoft.com/office/drawing/2010/main" val="0"/>
@@ -4629,8 +4590,8 @@
         </p:blipFill>
         <p:spPr>
           <a:xfrm>
-            <a:off x="559525" y="1501194"/>
-            <a:ext cx="5420597" cy="3950371"/>
+            <a:off x="10032273" y="6178583"/>
+            <a:ext cx="2041499" cy="621326"/>
           </a:xfrm>
           <a:prstGeom prst="rect">
             <a:avLst/>
@@ -4639,28 +4600,27 @@
       </p:pic>
       <p:pic>
         <p:nvPicPr>
-          <p:cNvPr id="5" name="Рисунок 4"/>
+          <p:cNvPr id="3" name="Рисунок 2"/>
           <p:cNvPicPr>
             <a:picLocks noChangeAspect="1"/>
           </p:cNvPicPr>
           <p:nvPr/>
         </p:nvPicPr>
-        <p:blipFill>
-          <a:blip r:embed="rId4">
+        <p:blipFill rotWithShape="1">
+          <a:blip r:embed="rId3">
             <a:extLst>
               <a:ext uri="{28A0092B-C50C-407E-A947-70E740481C1C}">
                 <a14:useLocalDpi xmlns:a14="http://schemas.microsoft.com/office/drawing/2010/main" val="0"/>
               </a:ext>
             </a:extLst>
           </a:blip>
-          <a:stretch>
-            <a:fillRect/>
-          </a:stretch>
+          <a:srcRect l="19407" t="6285" r="19641" b="9367"/>
+          <a:stretch/>
         </p:blipFill>
         <p:spPr>
           <a:xfrm>
-            <a:off x="10032273" y="6178583"/>
-            <a:ext cx="2041499" cy="621326"/>
+            <a:off x="3049176" y="1062446"/>
+            <a:ext cx="6521544" cy="5028929"/>
           </a:xfrm>
           <a:prstGeom prst="rect">
             <a:avLst/>
@@ -4670,13 +4630,20 @@
     </p:spTree>
     <p:extLst>
       <p:ext uri="{BB962C8B-B14F-4D97-AF65-F5344CB8AC3E}">
-        <p14:creationId xmlns:p14="http://schemas.microsoft.com/office/powerpoint/2010/main" val="2959317262"/>
+        <p14:creationId xmlns:p14="http://schemas.microsoft.com/office/powerpoint/2010/main" val="1251250585"/>
       </p:ext>
     </p:extLst>
   </p:cSld>
   <p:clrMapOvr>
     <a:masterClrMapping/>
   </p:clrMapOvr>
+  <p:timing>
+    <p:tnLst>
+      <p:par>
+        <p:cTn id="1" dur="indefinite" restart="never" nodeType="tmRoot"/>
+      </p:par>
+    </p:tnLst>
+  </p:timing>
 </p:sld>
 </file>
 
@@ -4699,13 +4666,7 @@
       </p:grpSpPr>
       <p:sp>
         <p:nvSpPr>
-          <p:cNvPr id="2" name="Заголовок 1">
-            <a:extLst>
-              <a:ext uri="{FF2B5EF4-FFF2-40B4-BE49-F238E27FC236}">
-                <a16:creationId xmlns:a16="http://schemas.microsoft.com/office/drawing/2014/main" id="{AE182028-3EFB-C843-87C1-F581B4E40F02}"/>
-              </a:ext>
-            </a:extLst>
-          </p:cNvPr>
+          <p:cNvPr id="2" name="Заголовок 1"/>
           <p:cNvSpPr>
             <a:spLocks noGrp="1"/>
           </p:cNvSpPr>
@@ -4715,8 +4676,8 @@
         </p:nvSpPr>
         <p:spPr>
           <a:xfrm>
-            <a:off x="838200" y="365125"/>
-            <a:ext cx="10515600" cy="758281"/>
+            <a:off x="838200" y="217081"/>
+            <a:ext cx="10515600" cy="862784"/>
           </a:xfrm>
         </p:spPr>
         <p:txBody>
@@ -4732,7 +4693,7 @@
                   <a:srgbClr val="FE8C1A"/>
                 </a:solidFill>
               </a:rPr>
-              <a:t>Главная страница</a:t>
+              <a:t>Поиск по строке</a:t>
             </a:r>
             <a:endParaRPr lang="ru-RU" b="1" dirty="0">
               <a:solidFill>
@@ -4744,7 +4705,7 @@
       </p:sp>
       <p:pic>
         <p:nvPicPr>
-          <p:cNvPr id="4" name="Рисунок 3"/>
+          <p:cNvPr id="5" name="Рисунок 4"/>
           <p:cNvPicPr>
             <a:picLocks noChangeAspect="1"/>
           </p:cNvPicPr>
@@ -4774,11 +4735,13 @@
       </p:pic>
       <p:pic>
         <p:nvPicPr>
-          <p:cNvPr id="3" name="Рисунок 2"/>
+          <p:cNvPr id="6" name="Объект 5"/>
           <p:cNvPicPr>
-            <a:picLocks noChangeAspect="1"/>
+            <a:picLocks noGrp="1" noChangeAspect="1"/>
           </p:cNvPicPr>
-          <p:nvPr/>
+          <p:nvPr>
+            <p:ph idx="1"/>
+          </p:nvPr>
         </p:nvPicPr>
         <p:blipFill rotWithShape="1">
           <a:blip r:embed="rId3">
@@ -4788,29 +4751,33 @@
               </a:ext>
             </a:extLst>
           </a:blip>
-          <a:srcRect l="19407" t="6285" r="19641" b="9367"/>
+          <a:srcRect l="19605" t="6478" r="19266" b="9866"/>
           <a:stretch/>
         </p:blipFill>
         <p:spPr>
           <a:xfrm>
-            <a:off x="3049176" y="1014946"/>
-            <a:ext cx="6521544" cy="5076430"/>
-          </a:xfrm>
-          <a:prstGeom prst="rect">
-            <a:avLst/>
-          </a:prstGeom>
+            <a:off x="2998605" y="1045994"/>
+            <a:ext cx="6711451" cy="5166460"/>
+          </a:xfrm>
         </p:spPr>
       </p:pic>
     </p:spTree>
     <p:extLst>
       <p:ext uri="{BB962C8B-B14F-4D97-AF65-F5344CB8AC3E}">
-        <p14:creationId xmlns:p14="http://schemas.microsoft.com/office/powerpoint/2010/main" val="1251250585"/>
+        <p14:creationId xmlns:p14="http://schemas.microsoft.com/office/powerpoint/2010/main" val="2410985864"/>
       </p:ext>
     </p:extLst>
   </p:cSld>
   <p:clrMapOvr>
     <a:masterClrMapping/>
   </p:clrMapOvr>
+  <p:timing>
+    <p:tnLst>
+      <p:par>
+        <p:cTn id="1" dur="indefinite" restart="never" nodeType="tmRoot"/>
+      </p:par>
+    </p:tnLst>
+  </p:timing>
 </p:sld>
 </file>
 
@@ -4843,14 +4810,12 @@
         </p:nvSpPr>
         <p:spPr>
           <a:xfrm>
-            <a:off x="838200" y="217081"/>
-            <a:ext cx="10515600" cy="862784"/>
-          </a:xfrm>
-        </p:spPr>
-        <p:txBody>
-          <a:bodyPr>
-            <a:normAutofit/>
-          </a:bodyPr>
+            <a:off x="838200" y="26336"/>
+            <a:ext cx="10515600" cy="1325563"/>
+          </a:xfrm>
+        </p:spPr>
+        <p:txBody>
+          <a:bodyPr/>
           <a:lstStyle/>
           <a:p>
             <a:pPr algn="ctr"/>
@@ -4860,16 +4825,40 @@
                   <a:srgbClr val="FE8C1A"/>
                 </a:solidFill>
               </a:rPr>
-              <a:t>Поиск по строке</a:t>
-            </a:r>
-            <a:endParaRPr lang="ru-RU" b="1" dirty="0">
-              <a:solidFill>
-                <a:srgbClr val="FE8C1A"/>
-              </a:solidFill>
-            </a:endParaRPr>
-          </a:p>
-        </p:txBody>
-      </p:sp>
+              <a:t>Окно «Подробнее»</a:t>
+            </a:r>
+            <a:endParaRPr lang="ru-RU" dirty="0"/>
+          </a:p>
+        </p:txBody>
+      </p:sp>
+      <p:pic>
+        <p:nvPicPr>
+          <p:cNvPr id="4" name="Объект 3"/>
+          <p:cNvPicPr>
+            <a:picLocks noGrp="1" noChangeAspect="1"/>
+          </p:cNvPicPr>
+          <p:nvPr>
+            <p:ph idx="1"/>
+          </p:nvPr>
+        </p:nvPicPr>
+        <p:blipFill rotWithShape="1">
+          <a:blip r:embed="rId2">
+            <a:extLst>
+              <a:ext uri="{28A0092B-C50C-407E-A947-70E740481C1C}">
+                <a14:useLocalDpi xmlns:a14="http://schemas.microsoft.com/office/drawing/2010/main" val="0"/>
+              </a:ext>
+            </a:extLst>
+          </a:blip>
+          <a:srcRect l="19492" t="6278" r="19379" b="9867"/>
+          <a:stretch/>
+        </p:blipFill>
+        <p:spPr>
+          <a:xfrm>
+            <a:off x="2878183" y="1116767"/>
+            <a:ext cx="6574972" cy="5073505"/>
+          </a:xfrm>
+        </p:spPr>
+      </p:pic>
       <p:pic>
         <p:nvPicPr>
           <p:cNvPr id="5" name="Рисунок 4"/>
@@ -4879,7 +4868,7 @@
           <p:nvPr/>
         </p:nvPicPr>
         <p:blipFill>
-          <a:blip r:embed="rId2">
+          <a:blip r:embed="rId3">
             <a:extLst>
               <a:ext uri="{28A0092B-C50C-407E-A947-70E740481C1C}">
                 <a14:useLocalDpi xmlns:a14="http://schemas.microsoft.com/office/drawing/2010/main" val="0"/>
@@ -4900,44 +4889,23 @@
           </a:prstGeom>
         </p:spPr>
       </p:pic>
-      <p:pic>
-        <p:nvPicPr>
-          <p:cNvPr id="6" name="Объект 5"/>
-          <p:cNvPicPr>
-            <a:picLocks noGrp="1" noChangeAspect="1"/>
-          </p:cNvPicPr>
-          <p:nvPr>
-            <p:ph idx="1"/>
-          </p:nvPr>
-        </p:nvPicPr>
-        <p:blipFill rotWithShape="1">
-          <a:blip r:embed="rId3">
-            <a:extLst>
-              <a:ext uri="{28A0092B-C50C-407E-A947-70E740481C1C}">
-                <a14:useLocalDpi xmlns:a14="http://schemas.microsoft.com/office/drawing/2010/main" val="0"/>
-              </a:ext>
-            </a:extLst>
-          </a:blip>
-          <a:srcRect l="19605" t="6478" r="19266" b="9866"/>
-          <a:stretch/>
-        </p:blipFill>
-        <p:spPr>
-          <a:xfrm>
-            <a:off x="2998605" y="1045994"/>
-            <a:ext cx="6711451" cy="5166460"/>
-          </a:xfrm>
-        </p:spPr>
-      </p:pic>
     </p:spTree>
     <p:extLst>
       <p:ext uri="{BB962C8B-B14F-4D97-AF65-F5344CB8AC3E}">
-        <p14:creationId xmlns:p14="http://schemas.microsoft.com/office/powerpoint/2010/main" val="2410985864"/>
+        <p14:creationId xmlns:p14="http://schemas.microsoft.com/office/powerpoint/2010/main" val="158129066"/>
       </p:ext>
     </p:extLst>
   </p:cSld>
   <p:clrMapOvr>
     <a:masterClrMapping/>
   </p:clrMapOvr>
+  <p:timing>
+    <p:tnLst>
+      <p:par>
+        <p:cTn id="1" dur="indefinite" restart="never" nodeType="tmRoot"/>
+      </p:par>
+    </p:tnLst>
+  </p:timing>
 </p:sld>
 </file>
 
@@ -4970,8 +4938,8 @@
         </p:nvSpPr>
         <p:spPr>
           <a:xfrm>
-            <a:off x="838200" y="26336"/>
-            <a:ext cx="10515600" cy="1325563"/>
+            <a:off x="838200" y="95795"/>
+            <a:ext cx="10515600" cy="1001485"/>
           </a:xfrm>
         </p:spPr>
         <p:txBody>
@@ -4985,12 +4953,46 @@
                   <a:srgbClr val="FE8C1A"/>
                 </a:solidFill>
               </a:rPr>
-              <a:t>Окно «Подробнее»</a:t>
-            </a:r>
-            <a:endParaRPr lang="ru-RU" dirty="0"/>
-          </a:p>
-        </p:txBody>
-      </p:sp>
+              <a:t>Фильтры</a:t>
+            </a:r>
+            <a:endParaRPr lang="ru-RU" b="1" dirty="0">
+              <a:solidFill>
+                <a:srgbClr val="FE8C1A"/>
+              </a:solidFill>
+            </a:endParaRPr>
+          </a:p>
+        </p:txBody>
+      </p:sp>
+      <p:pic>
+        <p:nvPicPr>
+          <p:cNvPr id="6" name="Рисунок 5"/>
+          <p:cNvPicPr>
+            <a:picLocks noChangeAspect="1"/>
+          </p:cNvPicPr>
+          <p:nvPr/>
+        </p:nvPicPr>
+        <p:blipFill>
+          <a:blip r:embed="rId2">
+            <a:extLst>
+              <a:ext uri="{28A0092B-C50C-407E-A947-70E740481C1C}">
+                <a14:useLocalDpi xmlns:a14="http://schemas.microsoft.com/office/drawing/2010/main" val="0"/>
+              </a:ext>
+            </a:extLst>
+          </a:blip>
+          <a:stretch>
+            <a:fillRect/>
+          </a:stretch>
+        </p:blipFill>
+        <p:spPr>
+          <a:xfrm>
+            <a:off x="10032273" y="6178583"/>
+            <a:ext cx="2041499" cy="621326"/>
+          </a:xfrm>
+          <a:prstGeom prst="rect">
+            <a:avLst/>
+          </a:prstGeom>
+        </p:spPr>
+      </p:pic>
       <p:pic>
         <p:nvPicPr>
           <p:cNvPr id="4" name="Объект 3"/>
@@ -5002,63 +5004,40 @@
           </p:nvPr>
         </p:nvPicPr>
         <p:blipFill rotWithShape="1">
-          <a:blip r:embed="rId2">
+          <a:blip r:embed="rId3">
             <a:extLst>
               <a:ext uri="{28A0092B-C50C-407E-A947-70E740481C1C}">
                 <a14:useLocalDpi xmlns:a14="http://schemas.microsoft.com/office/drawing/2010/main" val="0"/>
               </a:ext>
             </a:extLst>
           </a:blip>
-          <a:srcRect l="19492" t="6278" r="19379" b="9867"/>
+          <a:srcRect l="19492" t="6279" r="19379" b="9666"/>
           <a:stretch/>
         </p:blipFill>
         <p:spPr>
           <a:xfrm>
-            <a:off x="2878183" y="1116767"/>
-            <a:ext cx="6574972" cy="5073505"/>
-          </a:xfrm>
-        </p:spPr>
-      </p:pic>
-      <p:pic>
-        <p:nvPicPr>
-          <p:cNvPr id="5" name="Рисунок 4"/>
-          <p:cNvPicPr>
-            <a:picLocks noChangeAspect="1"/>
-          </p:cNvPicPr>
-          <p:nvPr/>
-        </p:nvPicPr>
-        <p:blipFill>
-          <a:blip r:embed="rId3">
-            <a:extLst>
-              <a:ext uri="{28A0092B-C50C-407E-A947-70E740481C1C}">
-                <a14:useLocalDpi xmlns:a14="http://schemas.microsoft.com/office/drawing/2010/main" val="0"/>
-              </a:ext>
-            </a:extLst>
-          </a:blip>
-          <a:stretch>
-            <a:fillRect/>
-          </a:stretch>
-        </p:blipFill>
-        <p:spPr>
-          <a:xfrm>
-            <a:off x="10032273" y="6178583"/>
-            <a:ext cx="2041499" cy="621326"/>
-          </a:xfrm>
-          <a:prstGeom prst="rect">
-            <a:avLst/>
-          </a:prstGeom>
+            <a:off x="2860765" y="975360"/>
+            <a:ext cx="6470470" cy="5004784"/>
+          </a:xfrm>
         </p:spPr>
       </p:pic>
     </p:spTree>
     <p:extLst>
       <p:ext uri="{BB962C8B-B14F-4D97-AF65-F5344CB8AC3E}">
-        <p14:creationId xmlns:p14="http://schemas.microsoft.com/office/powerpoint/2010/main" val="158129066"/>
+        <p14:creationId xmlns:p14="http://schemas.microsoft.com/office/powerpoint/2010/main" val="2920155500"/>
       </p:ext>
     </p:extLst>
   </p:cSld>
   <p:clrMapOvr>
     <a:masterClrMapping/>
   </p:clrMapOvr>
+  <p:timing>
+    <p:tnLst>
+      <p:par>
+        <p:cTn id="1" dur="indefinite" restart="never" nodeType="tmRoot"/>
+      </p:par>
+    </p:tnLst>
+  </p:timing>
 </p:sld>
 </file>
 
@@ -5081,7 +5060,13 @@
       </p:grpSpPr>
       <p:sp>
         <p:nvSpPr>
-          <p:cNvPr id="2" name="Заголовок 1"/>
+          <p:cNvPr id="2" name="Заголовок 1">
+            <a:extLst>
+              <a:ext uri="{FF2B5EF4-FFF2-40B4-BE49-F238E27FC236}">
+                <a16:creationId xmlns:a16="http://schemas.microsoft.com/office/drawing/2014/main" id="{18FB7AB8-F2CD-FC4C-8EA3-B697D8E044D2}"/>
+              </a:ext>
+            </a:extLst>
+          </p:cNvPr>
           <p:cNvSpPr>
             <a:spLocks noGrp="1"/>
           </p:cNvSpPr>
@@ -5091,12 +5076,14 @@
         </p:nvSpPr>
         <p:spPr>
           <a:xfrm>
-            <a:off x="838200" y="95795"/>
-            <a:ext cx="10515600" cy="1001485"/>
-          </a:xfrm>
-        </p:spPr>
-        <p:txBody>
-          <a:bodyPr/>
+            <a:off x="838200" y="365126"/>
+            <a:ext cx="10515600" cy="679904"/>
+          </a:xfrm>
+        </p:spPr>
+        <p:txBody>
+          <a:bodyPr>
+            <a:noAutofit/>
+          </a:bodyPr>
           <a:lstStyle/>
           <a:p>
             <a:pPr algn="ctr"/>
@@ -5106,7 +5093,7 @@
                   <a:srgbClr val="FE8C1A"/>
                 </a:solidFill>
               </a:rPr>
-              <a:t>Фильтры</a:t>
+              <a:t>Корзина сравнения</a:t>
             </a:r>
             <a:endParaRPr lang="ru-RU" b="1" dirty="0">
               <a:solidFill>
@@ -5118,7 +5105,7 @@
       </p:sp>
       <p:pic>
         <p:nvPicPr>
-          <p:cNvPr id="6" name="Рисунок 5"/>
+          <p:cNvPr id="4" name="Рисунок 3"/>
           <p:cNvPicPr>
             <a:picLocks noChangeAspect="1"/>
           </p:cNvPicPr>
@@ -5148,7 +5135,7 @@
       </p:pic>
       <p:pic>
         <p:nvPicPr>
-          <p:cNvPr id="4" name="Объект 3"/>
+          <p:cNvPr id="6" name="Объект 5"/>
           <p:cNvPicPr>
             <a:picLocks noGrp="1" noChangeAspect="1"/>
           </p:cNvPicPr>
@@ -5164,26 +5151,33 @@
               </a:ext>
             </a:extLst>
           </a:blip>
-          <a:srcRect l="19492" t="6279" r="19379" b="9666"/>
+          <a:srcRect l="19528" t="6276" r="19751" b="9466"/>
           <a:stretch/>
         </p:blipFill>
         <p:spPr>
           <a:xfrm>
-            <a:off x="2860765" y="975360"/>
-            <a:ext cx="6470470" cy="5004784"/>
+            <a:off x="2830287" y="1080541"/>
+            <a:ext cx="6531427" cy="5098042"/>
           </a:xfrm>
         </p:spPr>
       </p:pic>
     </p:spTree>
     <p:extLst>
       <p:ext uri="{BB962C8B-B14F-4D97-AF65-F5344CB8AC3E}">
-        <p14:creationId xmlns:p14="http://schemas.microsoft.com/office/powerpoint/2010/main" val="2920155500"/>
+        <p14:creationId xmlns:p14="http://schemas.microsoft.com/office/powerpoint/2010/main" val="1593401462"/>
       </p:ext>
     </p:extLst>
   </p:cSld>
   <p:clrMapOvr>
     <a:masterClrMapping/>
   </p:clrMapOvr>
+  <p:timing>
+    <p:tnLst>
+      <p:par>
+        <p:cTn id="1" dur="indefinite" restart="never" nodeType="tmRoot"/>
+      </p:par>
+    </p:tnLst>
+  </p:timing>
 </p:sld>
 </file>
 
